--- a/presentation.pptx
+++ b/presentation.pptx
@@ -7784,7 +7784,15 @@
           <a:p>
             <a:r>
               <a:rPr lang="en-US" dirty="0"/>
-              <a:t>Given a short text in English, predict the year (or the decade in which) it was written.</a:t>
+              <a:t>Given a short text in English</a:t>
+            </a:r>
+            <a:r>
+              <a:rPr lang="en-US"/>
+              <a:t>, classify </a:t>
+            </a:r>
+            <a:r>
+              <a:rPr lang="en-US" dirty="0"/>
+              <a:t>the year (or the decade in which) it was written.</a:t>
             </a:r>
           </a:p>
           <a:p>
